--- a/Презентация приложения.pptx
+++ b/Презентация приложения.pptx
@@ -114,6 +114,11 @@
       </a:defRPr>
     </a:lvl9pPr>
   </p:defaultTextStyle>
+  <p:extLst>
+    <p:ext uri="{EFAFB233-063F-42B5-8137-9DF3F51BA10A}">
+      <p15:sldGuideLst xmlns:p15="http://schemas.microsoft.com/office/powerpoint/2012/main"/>
+    </p:ext>
+  </p:extLst>
 </p:presentation>
 </file>
 
@@ -303,7 +308,7 @@
           <a:p>
             <a:fld id="{59B603E4-D13F-4A85-BD98-23D23DF780ED}" type="datetimeFigureOut">
               <a:rPr lang="ru-RU" smtClean="0"/>
-              <a:t>15.11.2021</a:t>
+              <a:t>16.11.2021</a:t>
             </a:fld>
             <a:endParaRPr lang="ru-RU"/>
           </a:p>
@@ -578,7 +583,7 @@
           <a:p>
             <a:fld id="{59B603E4-D13F-4A85-BD98-23D23DF780ED}" type="datetimeFigureOut">
               <a:rPr lang="ru-RU" smtClean="0"/>
-              <a:t>15.11.2021</a:t>
+              <a:t>16.11.2021</a:t>
             </a:fld>
             <a:endParaRPr lang="ru-RU"/>
           </a:p>
@@ -772,7 +777,7 @@
           <a:p>
             <a:fld id="{59B603E4-D13F-4A85-BD98-23D23DF780ED}" type="datetimeFigureOut">
               <a:rPr lang="ru-RU" smtClean="0"/>
-              <a:t>15.11.2021</a:t>
+              <a:t>16.11.2021</a:t>
             </a:fld>
             <a:endParaRPr lang="ru-RU"/>
           </a:p>
@@ -1045,7 +1050,7 @@
           <a:p>
             <a:fld id="{59B603E4-D13F-4A85-BD98-23D23DF780ED}" type="datetimeFigureOut">
               <a:rPr lang="ru-RU" smtClean="0"/>
-              <a:t>15.11.2021</a:t>
+              <a:t>16.11.2021</a:t>
             </a:fld>
             <a:endParaRPr lang="ru-RU"/>
           </a:p>
@@ -1386,7 +1391,7 @@
           <a:p>
             <a:fld id="{59B603E4-D13F-4A85-BD98-23D23DF780ED}" type="datetimeFigureOut">
               <a:rPr lang="ru-RU" smtClean="0"/>
-              <a:t>15.11.2021</a:t>
+              <a:t>16.11.2021</a:t>
             </a:fld>
             <a:endParaRPr lang="ru-RU"/>
           </a:p>
@@ -2009,7 +2014,7 @@
           <a:p>
             <a:fld id="{59B603E4-D13F-4A85-BD98-23D23DF780ED}" type="datetimeFigureOut">
               <a:rPr lang="ru-RU" smtClean="0"/>
-              <a:t>15.11.2021</a:t>
+              <a:t>16.11.2021</a:t>
             </a:fld>
             <a:endParaRPr lang="ru-RU"/>
           </a:p>
@@ -2869,7 +2874,7 @@
           <a:p>
             <a:fld id="{59B603E4-D13F-4A85-BD98-23D23DF780ED}" type="datetimeFigureOut">
               <a:rPr lang="ru-RU" smtClean="0"/>
-              <a:t>15.11.2021</a:t>
+              <a:t>16.11.2021</a:t>
             </a:fld>
             <a:endParaRPr lang="ru-RU"/>
           </a:p>
@@ -3039,7 +3044,7 @@
           <a:p>
             <a:fld id="{59B603E4-D13F-4A85-BD98-23D23DF780ED}" type="datetimeFigureOut">
               <a:rPr lang="ru-RU" smtClean="0"/>
-              <a:t>15.11.2021</a:t>
+              <a:t>16.11.2021</a:t>
             </a:fld>
             <a:endParaRPr lang="ru-RU"/>
           </a:p>
@@ -3219,7 +3224,7 @@
           <a:p>
             <a:fld id="{59B603E4-D13F-4A85-BD98-23D23DF780ED}" type="datetimeFigureOut">
               <a:rPr lang="ru-RU" smtClean="0"/>
-              <a:t>15.11.2021</a:t>
+              <a:t>16.11.2021</a:t>
             </a:fld>
             <a:endParaRPr lang="ru-RU"/>
           </a:p>
@@ -3389,7 +3394,7 @@
           <a:p>
             <a:fld id="{59B603E4-D13F-4A85-BD98-23D23DF780ED}" type="datetimeFigureOut">
               <a:rPr lang="ru-RU" smtClean="0"/>
-              <a:t>15.11.2021</a:t>
+              <a:t>16.11.2021</a:t>
             </a:fld>
             <a:endParaRPr lang="ru-RU"/>
           </a:p>
@@ -3636,7 +3641,7 @@
           <a:p>
             <a:fld id="{59B603E4-D13F-4A85-BD98-23D23DF780ED}" type="datetimeFigureOut">
               <a:rPr lang="ru-RU" smtClean="0"/>
-              <a:t>15.11.2021</a:t>
+              <a:t>16.11.2021</a:t>
             </a:fld>
             <a:endParaRPr lang="ru-RU"/>
           </a:p>
@@ -3928,7 +3933,7 @@
           <a:p>
             <a:fld id="{59B603E4-D13F-4A85-BD98-23D23DF780ED}" type="datetimeFigureOut">
               <a:rPr lang="ru-RU" smtClean="0"/>
-              <a:t>15.11.2021</a:t>
+              <a:t>16.11.2021</a:t>
             </a:fld>
             <a:endParaRPr lang="ru-RU"/>
           </a:p>
@@ -4372,7 +4377,7 @@
           <a:p>
             <a:fld id="{59B603E4-D13F-4A85-BD98-23D23DF780ED}" type="datetimeFigureOut">
               <a:rPr lang="ru-RU" smtClean="0"/>
-              <a:t>15.11.2021</a:t>
+              <a:t>16.11.2021</a:t>
             </a:fld>
             <a:endParaRPr lang="ru-RU"/>
           </a:p>
@@ -4490,7 +4495,7 @@
           <a:p>
             <a:fld id="{59B603E4-D13F-4A85-BD98-23D23DF780ED}" type="datetimeFigureOut">
               <a:rPr lang="ru-RU" smtClean="0"/>
-              <a:t>15.11.2021</a:t>
+              <a:t>16.11.2021</a:t>
             </a:fld>
             <a:endParaRPr lang="ru-RU"/>
           </a:p>
@@ -4585,7 +4590,7 @@
           <a:p>
             <a:fld id="{59B603E4-D13F-4A85-BD98-23D23DF780ED}" type="datetimeFigureOut">
               <a:rPr lang="ru-RU" smtClean="0"/>
-              <a:t>15.11.2021</a:t>
+              <a:t>16.11.2021</a:t>
             </a:fld>
             <a:endParaRPr lang="ru-RU"/>
           </a:p>
@@ -4864,7 +4869,7 @@
           <a:p>
             <a:fld id="{59B603E4-D13F-4A85-BD98-23D23DF780ED}" type="datetimeFigureOut">
               <a:rPr lang="ru-RU" smtClean="0"/>
-              <a:t>15.11.2021</a:t>
+              <a:t>16.11.2021</a:t>
             </a:fld>
             <a:endParaRPr lang="ru-RU"/>
           </a:p>
@@ -5139,7 +5144,7 @@
           <a:p>
             <a:fld id="{59B603E4-D13F-4A85-BD98-23D23DF780ED}" type="datetimeFigureOut">
               <a:rPr lang="ru-RU" smtClean="0"/>
-              <a:t>15.11.2021</a:t>
+              <a:t>16.11.2021</a:t>
             </a:fld>
             <a:endParaRPr lang="ru-RU"/>
           </a:p>
@@ -5568,7 +5573,7 @@
           <a:p>
             <a:fld id="{59B603E4-D13F-4A85-BD98-23D23DF780ED}" type="datetimeFigureOut">
               <a:rPr lang="ru-RU" smtClean="0"/>
-              <a:t>15.11.2021</a:t>
+              <a:t>16.11.2021</a:t>
             </a:fld>
             <a:endParaRPr lang="ru-RU"/>
           </a:p>
@@ -6143,11 +6148,11 @@
           <a:p>
             <a:r>
               <a:rPr lang="ru-RU" sz="1600" dirty="0" smtClean="0"/>
-              <a:t>Татаринов Андрей </a:t>
-            </a:r>
-            <a:r>
-              <a:rPr lang="ru-RU" sz="1600" dirty="0" err="1" smtClean="0"/>
-              <a:t>владиславович</a:t>
+              <a:t>Татаринов </a:t>
+            </a:r>
+            <a:r>
+              <a:rPr lang="ru-RU" sz="1600" dirty="0" smtClean="0"/>
+              <a:t>Андрей</a:t>
             </a:r>
             <a:endParaRPr lang="ru-RU" sz="1600" dirty="0"/>
           </a:p>
@@ -6163,6 +6168,13 @@
   <p:clrMapOvr>
     <a:masterClrMapping/>
   </p:clrMapOvr>
+  <p:timing>
+    <p:tnLst>
+      <p:par>
+        <p:cTn id="1" dur="indefinite" restart="never" nodeType="tmRoot"/>
+      </p:par>
+    </p:tnLst>
+  </p:timing>
 </p:sld>
 </file>
 

--- a/Презентация приложения.pptx
+++ b/Презентация приложения.pptx
@@ -6523,12 +6523,8 @@
               <a:t>программу с </a:t>
             </a:r>
             <a:r>
-              <a:rPr lang="ru-RU" dirty="0" err="1" smtClean="0"/>
-              <a:t>информацей</a:t>
-            </a:r>
-            <a:r>
               <a:rPr lang="ru-RU" dirty="0" smtClean="0"/>
-              <a:t> </a:t>
+              <a:t>информаций </a:t>
             </a:r>
             <a:r>
               <a:rPr lang="ru-RU" dirty="0"/>
